--- a/docs/diagrams/ShareSequenceDiagrams.pptx
+++ b/docs/diagrams/ShareSequenceDiagrams.pptx
@@ -109,7 +109,7 @@
   </p:defaultTextStyle>
   <p:extLst>
     <p:ext uri="{EFAFB233-063F-42B5-8137-9DF3F51BA10A}">
-      <p15:sldGuideLst xmlns:p15="http://schemas.microsoft.com/office/powerpoint/2012/main" xmlns="">
+      <p15:sldGuideLst xmlns="" xmlns:p15="http://schemas.microsoft.com/office/powerpoint/2012/main">
         <p15:guide id="1" orient="horz" pos="1488" userDrawn="1">
           <p15:clr>
             <a:srgbClr val="A4A3A4"/>
@@ -4169,17 +4169,7 @@
                   </a:schemeClr>
                 </a:solidFill>
               </a:rPr>
-              <a:t>post(</a:t>
-            </a:r>
-            <a:r>
-              <a:rPr lang="en-US" sz="1400" dirty="0" err="1" smtClean="0">
-                <a:solidFill>
-                  <a:schemeClr val="accent5">
-                    <a:lumMod val="75000"/>
-                  </a:schemeClr>
-                </a:solidFill>
-              </a:rPr>
-              <a:t>ShareRecipeEvent</a:t>
+              <a:t>post(ShareRecipeEvent</a:t>
             </a:r>
             <a:r>
               <a:rPr lang="en-US" sz="1400" dirty="0">
@@ -4323,15 +4313,7 @@
                   <a:schemeClr val="bg1"/>
                 </a:solidFill>
               </a:rPr>
-              <a:t>:</a:t>
-            </a:r>
-            <a:r>
-              <a:rPr lang="en-US" sz="1600" dirty="0" err="1">
-                <a:solidFill>
-                  <a:schemeClr val="bg1"/>
-                </a:solidFill>
-              </a:rPr>
-              <a:t>EventsCenter</a:t>
+              <a:t>:EventsCenter</a:t>
             </a:r>
             <a:endParaRPr lang="en-SG" sz="1600" dirty="0">
               <a:solidFill>
@@ -4484,7 +4466,7 @@
         </p:nvSpPr>
         <p:spPr>
           <a:xfrm>
-            <a:off x="5334000" y="4484678"/>
+            <a:off x="5334000" y="4103678"/>
             <a:ext cx="1777755" cy="215444"/>
           </a:xfrm>
           <a:prstGeom prst="rect">
@@ -4516,27 +4498,7 @@
                   </a:schemeClr>
                 </a:solidFill>
               </a:rPr>
-              <a:t>ost(</a:t>
-            </a:r>
-            <a:r>
-              <a:rPr lang="en-US" sz="1400" dirty="0" err="1" smtClean="0">
-                <a:solidFill>
-                  <a:schemeClr val="accent5">
-                    <a:lumMod val="75000"/>
-                  </a:schemeClr>
-                </a:solidFill>
-              </a:rPr>
-              <a:t>ShareRecipe</a:t>
-            </a:r>
-            <a:r>
-              <a:rPr lang="en-US" sz="1400" dirty="0" err="1" smtClean="0">
-                <a:solidFill>
-                  <a:schemeClr val="accent5">
-                    <a:lumMod val="75000"/>
-                  </a:schemeClr>
-                </a:solidFill>
-              </a:rPr>
-              <a:t>Event</a:t>
+              <a:t>ost(ShareRecipeEvent</a:t>
             </a:r>
             <a:r>
               <a:rPr lang="en-US" sz="1400" dirty="0">
@@ -4559,7 +4521,7 @@
         </p:nvSpPr>
         <p:spPr>
           <a:xfrm>
-            <a:off x="6604096" y="3979311"/>
+            <a:off x="6604096" y="3598311"/>
             <a:ext cx="1371600" cy="346760"/>
           </a:xfrm>
           <a:prstGeom prst="rect">
@@ -4604,15 +4566,7 @@
                   <a:schemeClr val="bg1"/>
                 </a:solidFill>
               </a:rPr>
-              <a:t>:</a:t>
-            </a:r>
-            <a:r>
-              <a:rPr lang="en-US" sz="1600" dirty="0" err="1">
-                <a:solidFill>
-                  <a:schemeClr val="bg1"/>
-                </a:solidFill>
-              </a:rPr>
-              <a:t>EventsCenter</a:t>
+              <a:t>:EventsCenter</a:t>
             </a:r>
             <a:endParaRPr lang="en-SG" sz="1600" dirty="0">
               <a:solidFill>
@@ -4630,7 +4584,7 @@
         </p:nvCxnSpPr>
         <p:spPr>
           <a:xfrm>
-            <a:off x="7269681" y="4332365"/>
+            <a:off x="7269681" y="3951365"/>
             <a:ext cx="0" cy="2103120"/>
           </a:xfrm>
           <a:prstGeom prst="line">
@@ -4669,7 +4623,7 @@
         </p:nvSpPr>
         <p:spPr>
           <a:xfrm>
-            <a:off x="7197673" y="4755298"/>
+            <a:off x="7197673" y="4374298"/>
             <a:ext cx="142006" cy="1490472"/>
           </a:xfrm>
           <a:prstGeom prst="rect">
@@ -4720,7 +4674,7 @@
         </p:nvCxnSpPr>
         <p:spPr>
           <a:xfrm>
-            <a:off x="5791200" y="6248400"/>
+            <a:off x="5791200" y="5867400"/>
             <a:ext cx="1448755" cy="0"/>
           </a:xfrm>
           <a:prstGeom prst="straightConnector1">
@@ -4797,7 +4751,7 @@
         </p:nvSpPr>
         <p:spPr>
           <a:xfrm>
-            <a:off x="3534585" y="3962400"/>
+            <a:off x="3534585" y="3581400"/>
             <a:ext cx="1093635" cy="346760"/>
           </a:xfrm>
           <a:prstGeom prst="rect">
@@ -4856,7 +4810,7 @@
         </p:nvCxnSpPr>
         <p:spPr>
           <a:xfrm>
-            <a:off x="4081401" y="4326071"/>
+            <a:off x="4081401" y="3945071"/>
             <a:ext cx="0" cy="2103120"/>
           </a:xfrm>
           <a:prstGeom prst="line">
@@ -4893,7 +4847,7 @@
         </p:nvSpPr>
         <p:spPr>
           <a:xfrm>
-            <a:off x="4009394" y="5354550"/>
+            <a:off x="4009394" y="4973550"/>
             <a:ext cx="130545" cy="731520"/>
           </a:xfrm>
           <a:prstGeom prst="rect">
@@ -4940,7 +4894,7 @@
         </p:nvCxnSpPr>
         <p:spPr>
           <a:xfrm flipH="1">
-            <a:off x="4161793" y="6096000"/>
+            <a:off x="4161793" y="5715000"/>
             <a:ext cx="3061842" cy="0"/>
           </a:xfrm>
           <a:prstGeom prst="straightConnector1">
@@ -4978,7 +4932,7 @@
         </p:nvCxnSpPr>
         <p:spPr>
           <a:xfrm>
-            <a:off x="4161794" y="5354550"/>
+            <a:off x="4161794" y="4973550"/>
             <a:ext cx="3061841" cy="0"/>
           </a:xfrm>
           <a:prstGeom prst="straightConnector1">
@@ -5017,7 +4971,7 @@
         </p:nvSpPr>
         <p:spPr>
           <a:xfrm>
-            <a:off x="4876800" y="5094278"/>
+            <a:off x="4876800" y="4713278"/>
             <a:ext cx="2019174" cy="215444"/>
           </a:xfrm>
           <a:prstGeom prst="rect">
@@ -5032,7 +4986,7 @@
           <a:lstStyle/>
           <a:p>
             <a:r>
-              <a:rPr lang="en-US" sz="1400" dirty="0" err="1" smtClean="0">
+              <a:rPr lang="en-US" sz="1400" dirty="0" smtClean="0">
                 <a:solidFill>
                   <a:srgbClr val="00B050"/>
                 </a:solidFill>
@@ -5058,7 +5012,7 @@
         </p:nvGrpSpPr>
         <p:grpSpPr>
           <a:xfrm>
-            <a:off x="3841085" y="5749728"/>
+            <a:off x="3841085" y="5368728"/>
             <a:ext cx="217349" cy="270072"/>
             <a:chOff x="1028134" y="5612032"/>
             <a:chExt cx="217349" cy="270072"/>
@@ -5213,7 +5167,7 @@
         </p:nvSpPr>
         <p:spPr>
           <a:xfrm>
-            <a:off x="2057400" y="5582268"/>
+            <a:off x="2057400" y="5201268"/>
             <a:ext cx="1744195" cy="430887"/>
           </a:xfrm>
           <a:prstGeom prst="rect">
@@ -5242,15 +5196,7 @@
                   <a:srgbClr val="00B050"/>
                 </a:solidFill>
               </a:rPr>
-              <a:t>Facebook authentication</a:t>
-            </a:r>
-            <a:r>
-              <a:rPr lang="en-US" sz="1400" dirty="0" smtClean="0">
-                <a:solidFill>
-                  <a:srgbClr val="00B050"/>
-                </a:solidFill>
-              </a:rPr>
-              <a:t> </a:t>
+              <a:t>Facebook authentication </a:t>
             </a:r>
             <a:r>
               <a:rPr lang="en-US" sz="1400" dirty="0">
@@ -5268,7 +5214,7 @@
           <p:cNvPr id="71" name="Straight Arrow Connector 70">
             <a:extLst>
               <a:ext uri="{FF2B5EF4-FFF2-40B4-BE49-F238E27FC236}">
-                <a16:creationId xmlns:a16="http://schemas.microsoft.com/office/drawing/2014/main" xmlns="" id="{FCD388CE-E507-420A-A5CC-DC885BAF5902}"/>
+                <a16:creationId xmlns="" xmlns:a16="http://schemas.microsoft.com/office/drawing/2014/main" id="{FCD388CE-E507-420A-A5CC-DC885BAF5902}"/>
               </a:ext>
             </a:extLst>
           </p:cNvPr>
@@ -5279,7 +5225,7 @@
         </p:nvCxnSpPr>
         <p:spPr>
           <a:xfrm>
-            <a:off x="5574872" y="4767059"/>
+            <a:off x="5574872" y="4386059"/>
             <a:ext cx="1629065" cy="6760"/>
           </a:xfrm>
           <a:prstGeom prst="straightConnector1">
@@ -5315,7 +5261,7 @@
         </p:nvGrpSpPr>
         <p:grpSpPr>
           <a:xfrm>
-            <a:off x="3841085" y="5349060"/>
+            <a:off x="3841085" y="4968060"/>
             <a:ext cx="217349" cy="270072"/>
             <a:chOff x="1028134" y="5612032"/>
             <a:chExt cx="217349" cy="270072"/>
@@ -5470,7 +5416,7 @@
         </p:nvSpPr>
         <p:spPr>
           <a:xfrm>
-            <a:off x="1828800" y="5181600"/>
+            <a:off x="1828800" y="4800600"/>
             <a:ext cx="1972795" cy="215444"/>
           </a:xfrm>
           <a:prstGeom prst="rect">
